--- a/presentations/9-29-16_GreyHat_OneTimePad.pptx
+++ b/presentations/9-29-16_GreyHat_OneTimePad.pptx
@@ -5,7 +5,7 @@
     <p:sldMasterId id="2147483648" r:id="rId1"/>
   </p:sldMasterIdLst>
   <p:notesMasterIdLst>
-    <p:notesMasterId r:id="rId19"/>
+    <p:notesMasterId r:id="rId24"/>
   </p:notesMasterIdLst>
   <p:sldIdLst>
     <p:sldId id="256" r:id="rId2"/>
@@ -25,6 +25,11 @@
     <p:sldId id="270" r:id="rId16"/>
     <p:sldId id="269" r:id="rId17"/>
     <p:sldId id="275" r:id="rId18"/>
+    <p:sldId id="277" r:id="rId19"/>
+    <p:sldId id="278" r:id="rId20"/>
+    <p:sldId id="279" r:id="rId21"/>
+    <p:sldId id="280" r:id="rId22"/>
+    <p:sldId id="281" r:id="rId23"/>
   </p:sldIdLst>
   <p:sldSz cx="12192000" cy="6858000"/>
   <p:notesSz cx="6858000" cy="9144000"/>
@@ -123,6 +128,11 @@
       </a:defRPr>
     </a:lvl9pPr>
   </p:defaultTextStyle>
+  <p:extLst>
+    <p:ext uri="{EFAFB233-063F-42B5-8137-9DF3F51BA10A}">
+      <p15:sldGuideLst xmlns:p15="http://schemas.microsoft.com/office/powerpoint/2012/main"/>
+    </p:ext>
+  </p:extLst>
 </p:presentation>
 </file>
 
@@ -208,7 +218,7 @@
           <a:p>
             <a:fld id="{6AF4AD98-DF1A-4FA3-A63B-199F8C206D3B}" type="datetimeFigureOut">
               <a:rPr lang="en-US" smtClean="0"/>
-              <a:t>8/24/2016</a:t>
+              <a:t>9/28/2016</a:t>
             </a:fld>
             <a:endParaRPr lang="en-US"/>
           </a:p>
@@ -303,7 +313,6 @@
               <a:rPr lang="en-US"/>
               <a:t>Fifth level</a:t>
             </a:r>
-            <a:endParaRPr lang="en-US"/>
           </a:p>
         </p:txBody>
       </p:sp>
@@ -606,6 +615,420 @@
 </p:notes>
 </file>
 
+<file path=ppt/notesSlides/notesSlide10.xml><?xml version="1.0" encoding="utf-8"?>
+<p:notes xmlns:a="http://schemas.openxmlformats.org/drawingml/2006/main" xmlns:r="http://schemas.openxmlformats.org/officeDocument/2006/relationships" xmlns:p="http://schemas.openxmlformats.org/presentationml/2006/main">
+  <p:cSld>
+    <p:spTree>
+      <p:nvGrpSpPr>
+        <p:cNvPr id="1" name=""/>
+        <p:cNvGrpSpPr/>
+        <p:nvPr/>
+      </p:nvGrpSpPr>
+      <p:grpSpPr>
+        <a:xfrm>
+          <a:off x="0" y="0"/>
+          <a:ext cx="0" cy="0"/>
+          <a:chOff x="0" y="0"/>
+          <a:chExt cx="0" cy="0"/>
+        </a:xfrm>
+      </p:grpSpPr>
+      <p:sp>
+        <p:nvSpPr>
+          <p:cNvPr id="2" name="Slide Image Placeholder 1"/>
+          <p:cNvSpPr>
+            <a:spLocks noGrp="1" noRot="1" noChangeAspect="1"/>
+          </p:cNvSpPr>
+          <p:nvPr>
+            <p:ph type="sldImg"/>
+          </p:nvPr>
+        </p:nvSpPr>
+        <p:spPr/>
+      </p:sp>
+      <p:sp>
+        <p:nvSpPr>
+          <p:cNvPr id="3" name="Notes Placeholder 2"/>
+          <p:cNvSpPr>
+            <a:spLocks noGrp="1"/>
+          </p:cNvSpPr>
+          <p:nvPr>
+            <p:ph type="body" idx="1"/>
+          </p:nvPr>
+        </p:nvSpPr>
+        <p:spPr/>
+        <p:txBody>
+          <a:bodyPr/>
+          <a:lstStyle/>
+          <a:p>
+            <a:r>
+              <a:rPr lang="en-US" dirty="0"/>
+              <a:t>Symmetric</a:t>
+            </a:r>
+            <a:r>
+              <a:rPr lang="en-US" baseline="0" dirty="0"/>
+              <a:t> – Didn’t solve problem of sharing keys</a:t>
+            </a:r>
+          </a:p>
+          <a:p>
+            <a:r>
+              <a:rPr lang="en-US" baseline="0" dirty="0"/>
+              <a:t>See if solve large key problem.</a:t>
+            </a:r>
+            <a:endParaRPr lang="en-US" dirty="0"/>
+          </a:p>
+        </p:txBody>
+      </p:sp>
+      <p:sp>
+        <p:nvSpPr>
+          <p:cNvPr id="4" name="Slide Number Placeholder 3"/>
+          <p:cNvSpPr>
+            <a:spLocks noGrp="1"/>
+          </p:cNvSpPr>
+          <p:nvPr>
+            <p:ph type="sldNum" sz="quarter" idx="10"/>
+          </p:nvPr>
+        </p:nvSpPr>
+        <p:spPr/>
+        <p:txBody>
+          <a:bodyPr/>
+          <a:lstStyle/>
+          <a:p>
+            <a:fld id="{9A81154C-0223-4B49-8805-40B185AE3682}" type="slidenum">
+              <a:rPr lang="en-US" smtClean="0"/>
+              <a:t>18</a:t>
+            </a:fld>
+            <a:endParaRPr lang="en-US"/>
+          </a:p>
+        </p:txBody>
+      </p:sp>
+    </p:spTree>
+    <p:extLst>
+      <p:ext uri="{BB962C8B-B14F-4D97-AF65-F5344CB8AC3E}">
+        <p14:creationId xmlns:p14="http://schemas.microsoft.com/office/powerpoint/2010/main" val="4294784995"/>
+      </p:ext>
+    </p:extLst>
+  </p:cSld>
+  <p:clrMapOvr>
+    <a:masterClrMapping/>
+  </p:clrMapOvr>
+</p:notes>
+</file>
+
+<file path=ppt/notesSlides/notesSlide11.xml><?xml version="1.0" encoding="utf-8"?>
+<p:notes xmlns:a="http://schemas.openxmlformats.org/drawingml/2006/main" xmlns:r="http://schemas.openxmlformats.org/officeDocument/2006/relationships" xmlns:p="http://schemas.openxmlformats.org/presentationml/2006/main">
+  <p:cSld>
+    <p:spTree>
+      <p:nvGrpSpPr>
+        <p:cNvPr id="1" name=""/>
+        <p:cNvGrpSpPr/>
+        <p:nvPr/>
+      </p:nvGrpSpPr>
+      <p:grpSpPr>
+        <a:xfrm>
+          <a:off x="0" y="0"/>
+          <a:ext cx="0" cy="0"/>
+          <a:chOff x="0" y="0"/>
+          <a:chExt cx="0" cy="0"/>
+        </a:xfrm>
+      </p:grpSpPr>
+      <p:sp>
+        <p:nvSpPr>
+          <p:cNvPr id="2" name="Slide Image Placeholder 1"/>
+          <p:cNvSpPr>
+            <a:spLocks noGrp="1" noRot="1" noChangeAspect="1"/>
+          </p:cNvSpPr>
+          <p:nvPr>
+            <p:ph type="sldImg"/>
+          </p:nvPr>
+        </p:nvSpPr>
+        <p:spPr/>
+      </p:sp>
+      <p:sp>
+        <p:nvSpPr>
+          <p:cNvPr id="3" name="Notes Placeholder 2"/>
+          <p:cNvSpPr>
+            <a:spLocks noGrp="1"/>
+          </p:cNvSpPr>
+          <p:nvPr>
+            <p:ph type="body" idx="1"/>
+          </p:nvPr>
+        </p:nvSpPr>
+        <p:spPr/>
+        <p:txBody>
+          <a:bodyPr/>
+          <a:lstStyle/>
+          <a:p>
+            <a:r>
+              <a:rPr lang="en-US" dirty="0"/>
+              <a:t>ECB problem: identical plaintexts encrypt to identical </a:t>
+            </a:r>
+            <a:r>
+              <a:rPr lang="en-US" dirty="0" err="1"/>
+              <a:t>ciphertexts</a:t>
+            </a:r>
+            <a:r>
+              <a:rPr lang="en-US" dirty="0"/>
+              <a:t>.</a:t>
+            </a:r>
+          </a:p>
+          <a:p>
+            <a:r>
+              <a:rPr lang="en-US" dirty="0"/>
+              <a:t>Illustrate problem</a:t>
+            </a:r>
+            <a:r>
+              <a:rPr lang="en-US" baseline="0" dirty="0"/>
+              <a:t> visually</a:t>
+            </a:r>
+            <a:endParaRPr lang="en-US" dirty="0"/>
+          </a:p>
+        </p:txBody>
+      </p:sp>
+      <p:sp>
+        <p:nvSpPr>
+          <p:cNvPr id="4" name="Slide Number Placeholder 3"/>
+          <p:cNvSpPr>
+            <a:spLocks noGrp="1"/>
+          </p:cNvSpPr>
+          <p:nvPr>
+            <p:ph type="sldNum" sz="quarter" idx="10"/>
+          </p:nvPr>
+        </p:nvSpPr>
+        <p:spPr/>
+        <p:txBody>
+          <a:bodyPr/>
+          <a:lstStyle/>
+          <a:p>
+            <a:fld id="{9A81154C-0223-4B49-8805-40B185AE3682}" type="slidenum">
+              <a:rPr lang="en-US" smtClean="0"/>
+              <a:t>19</a:t>
+            </a:fld>
+            <a:endParaRPr lang="en-US"/>
+          </a:p>
+        </p:txBody>
+      </p:sp>
+    </p:spTree>
+    <p:extLst>
+      <p:ext uri="{BB962C8B-B14F-4D97-AF65-F5344CB8AC3E}">
+        <p14:creationId xmlns:p14="http://schemas.microsoft.com/office/powerpoint/2010/main" val="3420682940"/>
+      </p:ext>
+    </p:extLst>
+  </p:cSld>
+  <p:clrMapOvr>
+    <a:masterClrMapping/>
+  </p:clrMapOvr>
+</p:notes>
+</file>
+
+<file path=ppt/notesSlides/notesSlide12.xml><?xml version="1.0" encoding="utf-8"?>
+<p:notes xmlns:a="http://schemas.openxmlformats.org/drawingml/2006/main" xmlns:r="http://schemas.openxmlformats.org/officeDocument/2006/relationships" xmlns:p="http://schemas.openxmlformats.org/presentationml/2006/main">
+  <p:cSld>
+    <p:spTree>
+      <p:nvGrpSpPr>
+        <p:cNvPr id="1" name=""/>
+        <p:cNvGrpSpPr/>
+        <p:nvPr/>
+      </p:nvGrpSpPr>
+      <p:grpSpPr>
+        <a:xfrm>
+          <a:off x="0" y="0"/>
+          <a:ext cx="0" cy="0"/>
+          <a:chOff x="0" y="0"/>
+          <a:chExt cx="0" cy="0"/>
+        </a:xfrm>
+      </p:grpSpPr>
+      <p:sp>
+        <p:nvSpPr>
+          <p:cNvPr id="2" name="Slide Image Placeholder 1"/>
+          <p:cNvSpPr>
+            <a:spLocks noGrp="1" noRot="1" noChangeAspect="1"/>
+          </p:cNvSpPr>
+          <p:nvPr>
+            <p:ph type="sldImg"/>
+          </p:nvPr>
+        </p:nvSpPr>
+        <p:spPr/>
+      </p:sp>
+      <p:sp>
+        <p:nvSpPr>
+          <p:cNvPr id="3" name="Notes Placeholder 2"/>
+          <p:cNvSpPr>
+            <a:spLocks noGrp="1"/>
+          </p:cNvSpPr>
+          <p:nvPr>
+            <p:ph type="body" idx="1"/>
+          </p:nvPr>
+        </p:nvSpPr>
+        <p:spPr/>
+        <p:txBody>
+          <a:bodyPr/>
+          <a:lstStyle/>
+          <a:p>
+            <a:endParaRPr lang="en-US" dirty="0"/>
+          </a:p>
+        </p:txBody>
+      </p:sp>
+      <p:sp>
+        <p:nvSpPr>
+          <p:cNvPr id="4" name="Slide Number Placeholder 3"/>
+          <p:cNvSpPr>
+            <a:spLocks noGrp="1"/>
+          </p:cNvSpPr>
+          <p:nvPr>
+            <p:ph type="sldNum" sz="quarter" idx="10"/>
+          </p:nvPr>
+        </p:nvSpPr>
+        <p:spPr/>
+        <p:txBody>
+          <a:bodyPr/>
+          <a:lstStyle/>
+          <a:p>
+            <a:fld id="{9A81154C-0223-4B49-8805-40B185AE3682}" type="slidenum">
+              <a:rPr lang="en-US" smtClean="0"/>
+              <a:t>20</a:t>
+            </a:fld>
+            <a:endParaRPr lang="en-US"/>
+          </a:p>
+        </p:txBody>
+      </p:sp>
+    </p:spTree>
+    <p:extLst>
+      <p:ext uri="{BB962C8B-B14F-4D97-AF65-F5344CB8AC3E}">
+        <p14:creationId xmlns:p14="http://schemas.microsoft.com/office/powerpoint/2010/main" val="2898861884"/>
+      </p:ext>
+    </p:extLst>
+  </p:cSld>
+  <p:clrMapOvr>
+    <a:masterClrMapping/>
+  </p:clrMapOvr>
+</p:notes>
+</file>
+
+<file path=ppt/notesSlides/notesSlide13.xml><?xml version="1.0" encoding="utf-8"?>
+<p:notes xmlns:a="http://schemas.openxmlformats.org/drawingml/2006/main" xmlns:r="http://schemas.openxmlformats.org/officeDocument/2006/relationships" xmlns:p="http://schemas.openxmlformats.org/presentationml/2006/main">
+  <p:cSld>
+    <p:spTree>
+      <p:nvGrpSpPr>
+        <p:cNvPr id="1" name=""/>
+        <p:cNvGrpSpPr/>
+        <p:nvPr/>
+      </p:nvGrpSpPr>
+      <p:grpSpPr>
+        <a:xfrm>
+          <a:off x="0" y="0"/>
+          <a:ext cx="0" cy="0"/>
+          <a:chOff x="0" y="0"/>
+          <a:chExt cx="0" cy="0"/>
+        </a:xfrm>
+      </p:grpSpPr>
+      <p:sp>
+        <p:nvSpPr>
+          <p:cNvPr id="2" name="Slide Image Placeholder 1"/>
+          <p:cNvSpPr>
+            <a:spLocks noGrp="1" noRot="1" noChangeAspect="1"/>
+          </p:cNvSpPr>
+          <p:nvPr>
+            <p:ph type="sldImg"/>
+          </p:nvPr>
+        </p:nvSpPr>
+        <p:spPr/>
+      </p:sp>
+      <p:sp>
+        <p:nvSpPr>
+          <p:cNvPr id="3" name="Notes Placeholder 2"/>
+          <p:cNvSpPr>
+            <a:spLocks noGrp="1"/>
+          </p:cNvSpPr>
+          <p:nvPr>
+            <p:ph type="body" idx="1"/>
+          </p:nvPr>
+        </p:nvSpPr>
+        <p:spPr/>
+        <p:txBody>
+          <a:bodyPr/>
+          <a:lstStyle/>
+          <a:p>
+            <a:r>
+              <a:rPr lang="en-US" dirty="0"/>
+              <a:t>IV = Initialization</a:t>
+            </a:r>
+            <a:r>
+              <a:rPr lang="en-US" baseline="0" dirty="0"/>
+              <a:t> Vector. Random but doesn’t have to be secret.</a:t>
+            </a:r>
+          </a:p>
+          <a:p>
+            <a:r>
+              <a:rPr lang="en-US" baseline="0" dirty="0"/>
+              <a:t>If IV is predictable – Eve can make a guess about Alice’s data, XOR with own predicted IV, XOR with Alice’s known IV, set this to plaintext.</a:t>
+            </a:r>
+          </a:p>
+          <a:p>
+            <a:r>
+              <a:rPr lang="en-US" baseline="0" dirty="0"/>
+              <a:t>Then the server will encrypt w/ IV(EVE) XOR GUESS XOR IV(EVE) XOR IV(ALICE) = GUESS XOR IV(ALICE) -&gt; if the guess is correct, our </a:t>
+            </a:r>
+            <a:r>
+              <a:rPr lang="en-US" baseline="0" dirty="0" err="1"/>
+              <a:t>ciphertext</a:t>
+            </a:r>
+            <a:r>
+              <a:rPr lang="en-US" baseline="0" dirty="0"/>
+              <a:t> is identical to Alice’s and we know her data.</a:t>
+            </a:r>
+          </a:p>
+          <a:p>
+            <a:r>
+              <a:rPr lang="en-US" baseline="0" dirty="0"/>
+              <a:t>Don’t use key as IV either. Intercepting will allow Eve to figure out the key by modifying some </a:t>
+            </a:r>
+            <a:r>
+              <a:rPr lang="en-US" baseline="0" dirty="0" err="1"/>
+              <a:t>ciphertext</a:t>
+            </a:r>
+            <a:r>
+              <a:rPr lang="en-US" baseline="0" dirty="0"/>
+              <a:t>.</a:t>
+            </a:r>
+            <a:endParaRPr lang="en-US" dirty="0"/>
+          </a:p>
+        </p:txBody>
+      </p:sp>
+      <p:sp>
+        <p:nvSpPr>
+          <p:cNvPr id="4" name="Slide Number Placeholder 3"/>
+          <p:cNvSpPr>
+            <a:spLocks noGrp="1"/>
+          </p:cNvSpPr>
+          <p:nvPr>
+            <p:ph type="sldNum" sz="quarter" idx="10"/>
+          </p:nvPr>
+        </p:nvSpPr>
+        <p:spPr/>
+        <p:txBody>
+          <a:bodyPr/>
+          <a:lstStyle/>
+          <a:p>
+            <a:fld id="{9A81154C-0223-4B49-8805-40B185AE3682}" type="slidenum">
+              <a:rPr lang="en-US" smtClean="0"/>
+              <a:t>21</a:t>
+            </a:fld>
+            <a:endParaRPr lang="en-US"/>
+          </a:p>
+        </p:txBody>
+      </p:sp>
+    </p:spTree>
+    <p:extLst>
+      <p:ext uri="{BB962C8B-B14F-4D97-AF65-F5344CB8AC3E}">
+        <p14:creationId xmlns:p14="http://schemas.microsoft.com/office/powerpoint/2010/main" val="2442727306"/>
+      </p:ext>
+    </p:extLst>
+  </p:cSld>
+  <p:clrMapOvr>
+    <a:masterClrMapping/>
+  </p:clrMapOvr>
+</p:notes>
+</file>
+
 <file path=ppt/notesSlides/notesSlide2.xml><?xml version="1.0" encoding="utf-8"?>
 <p:notes xmlns:a="http://schemas.openxmlformats.org/drawingml/2006/main" xmlns:r="http://schemas.openxmlformats.org/officeDocument/2006/relationships" xmlns:p="http://schemas.openxmlformats.org/presentationml/2006/main">
   <p:cSld>
@@ -1654,7 +2077,7 @@
             <a:fld id="{B61BEF0D-F0BB-DE4B-95CE-6DB70DBA9567}" type="datetimeFigureOut">
               <a:rPr lang="en-US" dirty="0"/>
               <a:pPr/>
-              <a:t>8/24/2016</a:t>
+              <a:t>9/28/2016</a:t>
             </a:fld>
             <a:endParaRPr lang="en-US" dirty="0"/>
           </a:p>
@@ -1985,7 +2408,7 @@
             <a:fld id="{B61BEF0D-F0BB-DE4B-95CE-6DB70DBA9567}" type="datetimeFigureOut">
               <a:rPr lang="en-US" dirty="0"/>
               <a:pPr/>
-              <a:t>8/24/2016</a:t>
+              <a:t>9/28/2016</a:t>
             </a:fld>
             <a:endParaRPr lang="en-US" dirty="0"/>
           </a:p>
@@ -2260,7 +2683,7 @@
             <a:fld id="{B61BEF0D-F0BB-DE4B-95CE-6DB70DBA9567}" type="datetimeFigureOut">
               <a:rPr lang="en-US" dirty="0"/>
               <a:pPr/>
-              <a:t>8/24/2016</a:t>
+              <a:t>9/28/2016</a:t>
             </a:fld>
             <a:endParaRPr lang="en-US" dirty="0"/>
           </a:p>
@@ -2825,7 +3248,7 @@
             <a:fld id="{B61BEF0D-F0BB-DE4B-95CE-6DB70DBA9567}" type="datetimeFigureOut">
               <a:rPr lang="en-US" dirty="0"/>
               <a:pPr/>
-              <a:t>8/24/2016</a:t>
+              <a:t>9/28/2016</a:t>
             </a:fld>
             <a:endParaRPr lang="en-US" dirty="0"/>
           </a:p>
@@ -3100,7 +3523,7 @@
             <a:fld id="{B61BEF0D-F0BB-DE4B-95CE-6DB70DBA9567}" type="datetimeFigureOut">
               <a:rPr lang="en-US" dirty="0"/>
               <a:pPr/>
-              <a:t>8/24/2016</a:t>
+              <a:t>9/28/2016</a:t>
             </a:fld>
             <a:endParaRPr lang="en-US" dirty="0"/>
           </a:p>
@@ -3659,7 +4082,7 @@
             <a:fld id="{B61BEF0D-F0BB-DE4B-95CE-6DB70DBA9567}" type="datetimeFigureOut">
               <a:rPr lang="en-US" dirty="0"/>
               <a:pPr/>
-              <a:t>8/24/2016</a:t>
+              <a:t>9/28/2016</a:t>
             </a:fld>
             <a:endParaRPr lang="en-US" dirty="0"/>
           </a:p>
@@ -3983,7 +4406,7 @@
             <a:fld id="{B61BEF0D-F0BB-DE4B-95CE-6DB70DBA9567}" type="datetimeFigureOut">
               <a:rPr lang="en-US" dirty="0"/>
               <a:pPr/>
-              <a:t>8/24/2016</a:t>
+              <a:t>9/28/2016</a:t>
             </a:fld>
             <a:endParaRPr lang="en-US" dirty="0"/>
           </a:p>
@@ -4157,7 +4580,7 @@
             <a:fld id="{B61BEF0D-F0BB-DE4B-95CE-6DB70DBA9567}" type="datetimeFigureOut">
               <a:rPr lang="en-US" dirty="0"/>
               <a:pPr/>
-              <a:t>8/24/2016</a:t>
+              <a:t>9/28/2016</a:t>
             </a:fld>
             <a:endParaRPr lang="en-US" dirty="0"/>
           </a:p>
@@ -4392,7 +4815,7 @@
             <a:fld id="{B61BEF0D-F0BB-DE4B-95CE-6DB70DBA9567}" type="datetimeFigureOut">
               <a:rPr lang="en-US" dirty="0"/>
               <a:pPr/>
-              <a:t>8/24/2016</a:t>
+              <a:t>9/28/2016</a:t>
             </a:fld>
             <a:endParaRPr lang="en-US" dirty="0"/>
           </a:p>
@@ -4589,7 +5012,7 @@
             <a:fld id="{B61BEF0D-F0BB-DE4B-95CE-6DB70DBA9567}" type="datetimeFigureOut">
               <a:rPr lang="en-US" dirty="0"/>
               <a:pPr/>
-              <a:t>8/24/2016</a:t>
+              <a:t>9/28/2016</a:t>
             </a:fld>
             <a:endParaRPr lang="en-US" dirty="0"/>
           </a:p>
@@ -4862,7 +5285,7 @@
             <a:fld id="{B61BEF0D-F0BB-DE4B-95CE-6DB70DBA9567}" type="datetimeFigureOut">
               <a:rPr lang="en-US" dirty="0"/>
               <a:pPr/>
-              <a:t>8/24/2016</a:t>
+              <a:t>9/28/2016</a:t>
             </a:fld>
             <a:endParaRPr lang="en-US" dirty="0"/>
           </a:p>
@@ -5125,7 +5548,7 @@
             <a:fld id="{B61BEF0D-F0BB-DE4B-95CE-6DB70DBA9567}" type="datetimeFigureOut">
               <a:rPr lang="en-US" dirty="0"/>
               <a:pPr/>
-              <a:t>8/24/2016</a:t>
+              <a:t>9/28/2016</a:t>
             </a:fld>
             <a:endParaRPr lang="en-US" dirty="0"/>
           </a:p>
@@ -5496,7 +5919,7 @@
             <a:fld id="{B61BEF0D-F0BB-DE4B-95CE-6DB70DBA9567}" type="datetimeFigureOut">
               <a:rPr lang="en-US" dirty="0"/>
               <a:pPr/>
-              <a:t>8/24/2016</a:t>
+              <a:t>9/28/2016</a:t>
             </a:fld>
             <a:endParaRPr lang="en-US" dirty="0"/>
           </a:p>
@@ -5641,7 +6064,7 @@
             <a:fld id="{B61BEF0D-F0BB-DE4B-95CE-6DB70DBA9567}" type="datetimeFigureOut">
               <a:rPr lang="en-US" dirty="0"/>
               <a:pPr/>
-              <a:t>8/24/2016</a:t>
+              <a:t>9/28/2016</a:t>
             </a:fld>
             <a:endParaRPr lang="en-US" dirty="0"/>
           </a:p>
@@ -5763,7 +6186,7 @@
             <a:fld id="{B61BEF0D-F0BB-DE4B-95CE-6DB70DBA9567}" type="datetimeFigureOut">
               <a:rPr lang="en-US" dirty="0"/>
               <a:pPr/>
-              <a:t>8/24/2016</a:t>
+              <a:t>9/28/2016</a:t>
             </a:fld>
             <a:endParaRPr lang="en-US" dirty="0"/>
           </a:p>
@@ -6045,7 +6468,7 @@
             <a:fld id="{B61BEF0D-F0BB-DE4B-95CE-6DB70DBA9567}" type="datetimeFigureOut">
               <a:rPr lang="en-US" dirty="0"/>
               <a:pPr/>
-              <a:t>8/24/2016</a:t>
+              <a:t>9/28/2016</a:t>
             </a:fld>
             <a:endParaRPr lang="en-US" dirty="0"/>
           </a:p>
@@ -6366,7 +6789,7 @@
             <a:fld id="{B61BEF0D-F0BB-DE4B-95CE-6DB70DBA9567}" type="datetimeFigureOut">
               <a:rPr lang="en-US" dirty="0"/>
               <a:pPr/>
-              <a:t>8/24/2016</a:t>
+              <a:t>9/28/2016</a:t>
             </a:fld>
             <a:endParaRPr lang="en-US" dirty="0"/>
           </a:p>
@@ -6577,7 +7000,7 @@
             <a:fld id="{B61BEF0D-F0BB-DE4B-95CE-6DB70DBA9567}" type="datetimeFigureOut">
               <a:rPr lang="en-US" dirty="0"/>
               <a:pPr/>
-              <a:t>8/24/2016</a:t>
+              <a:t>9/28/2016</a:t>
             </a:fld>
             <a:endParaRPr lang="en-US" dirty="0"/>
           </a:p>
@@ -8810,6 +9233,220 @@
     <p:extLst>
       <p:ext uri="{BB962C8B-B14F-4D97-AF65-F5344CB8AC3E}">
         <p14:creationId xmlns:p14="http://schemas.microsoft.com/office/powerpoint/2010/main" val="870223136"/>
+      </p:ext>
+    </p:extLst>
+  </p:cSld>
+  <p:clrMapOvr>
+    <a:masterClrMapping/>
+  </p:clrMapOvr>
+</p:sld>
+</file>
+
+<file path=ppt/slides/slide18.xml><?xml version="1.0" encoding="utf-8"?>
+<p:sld xmlns:a="http://schemas.openxmlformats.org/drawingml/2006/main" xmlns:r="http://schemas.openxmlformats.org/officeDocument/2006/relationships" xmlns:p="http://schemas.openxmlformats.org/presentationml/2006/main">
+  <p:cSld>
+    <p:spTree>
+      <p:nvGrpSpPr>
+        <p:cNvPr id="1" name=""/>
+        <p:cNvGrpSpPr/>
+        <p:nvPr/>
+      </p:nvGrpSpPr>
+      <p:grpSpPr>
+        <a:xfrm>
+          <a:off x="0" y="0"/>
+          <a:ext cx="0" cy="0"/>
+          <a:chOff x="0" y="0"/>
+          <a:chExt cx="0" cy="0"/>
+        </a:xfrm>
+      </p:grpSpPr>
+      <p:sp>
+        <p:nvSpPr>
+          <p:cNvPr id="2" name="Title 1"/>
+          <p:cNvSpPr>
+            <a:spLocks noGrp="1"/>
+          </p:cNvSpPr>
+          <p:nvPr>
+            <p:ph type="title"/>
+          </p:nvPr>
+        </p:nvSpPr>
+        <p:spPr/>
+        <p:txBody>
+          <a:bodyPr/>
+          <a:lstStyle/>
+          <a:p>
+            <a:r>
+              <a:rPr lang="en-US" dirty="0"/>
+              <a:t>Block ciphers</a:t>
+            </a:r>
+          </a:p>
+        </p:txBody>
+      </p:sp>
+      <p:sp>
+        <p:nvSpPr>
+          <p:cNvPr id="3" name="Content Placeholder 2"/>
+          <p:cNvSpPr>
+            <a:spLocks noGrp="1"/>
+          </p:cNvSpPr>
+          <p:nvPr>
+            <p:ph idx="1"/>
+          </p:nvPr>
+        </p:nvSpPr>
+        <p:spPr>
+          <a:xfrm>
+            <a:off x="685800" y="609600"/>
+            <a:ext cx="10131425" cy="3649133"/>
+          </a:xfrm>
+        </p:spPr>
+        <p:txBody>
+          <a:bodyPr/>
+          <a:lstStyle/>
+          <a:p>
+            <a:r>
+              <a:rPr lang="en-US" dirty="0"/>
+              <a:t>Symmetric Encryption</a:t>
+            </a:r>
+          </a:p>
+          <a:p>
+            <a:r>
+              <a:rPr lang="en-US" dirty="0"/>
+              <a:t>Take a block of bits, encrypt it using key. Take a </a:t>
+            </a:r>
+            <a:r>
+              <a:rPr lang="en-US" dirty="0" err="1"/>
+              <a:t>ciphertext</a:t>
+            </a:r>
+            <a:r>
+              <a:rPr lang="en-US" dirty="0"/>
+              <a:t> block, decrypt it using the key.</a:t>
+            </a:r>
+          </a:p>
+          <a:p>
+            <a:r>
+              <a:rPr lang="en-US" dirty="0"/>
+              <a:t>Advantage – key doesn’t have to be as long as the message, just as long as a block.</a:t>
+            </a:r>
+          </a:p>
+          <a:p>
+            <a:r>
+              <a:rPr lang="en-US" dirty="0"/>
+              <a:t>Have Modes of Operation</a:t>
+            </a:r>
+          </a:p>
+        </p:txBody>
+      </p:sp>
+      <p:pic>
+        <p:nvPicPr>
+          <p:cNvPr id="4" name="Picture 3"/>
+          <p:cNvPicPr>
+            <a:picLocks noChangeAspect="1"/>
+          </p:cNvPicPr>
+          <p:nvPr/>
+        </p:nvPicPr>
+        <p:blipFill>
+          <a:blip r:embed="rId3"/>
+          <a:stretch>
+            <a:fillRect/>
+          </a:stretch>
+        </p:blipFill>
+        <p:spPr>
+          <a:xfrm>
+            <a:off x="2504290" y="3656026"/>
+            <a:ext cx="6838950" cy="1876425"/>
+          </a:xfrm>
+          <a:prstGeom prst="rect">
+            <a:avLst/>
+          </a:prstGeom>
+        </p:spPr>
+      </p:pic>
+    </p:spTree>
+    <p:extLst>
+      <p:ext uri="{BB962C8B-B14F-4D97-AF65-F5344CB8AC3E}">
+        <p14:creationId xmlns:p14="http://schemas.microsoft.com/office/powerpoint/2010/main" val="3048040014"/>
+      </p:ext>
+    </p:extLst>
+  </p:cSld>
+  <p:clrMapOvr>
+    <a:masterClrMapping/>
+  </p:clrMapOvr>
+</p:sld>
+</file>
+
+<file path=ppt/slides/slide19.xml><?xml version="1.0" encoding="utf-8"?>
+<p:sld xmlns:a="http://schemas.openxmlformats.org/drawingml/2006/main" xmlns:r="http://schemas.openxmlformats.org/officeDocument/2006/relationships" xmlns:p="http://schemas.openxmlformats.org/presentationml/2006/main">
+  <p:cSld>
+    <p:spTree>
+      <p:nvGrpSpPr>
+        <p:cNvPr id="1" name=""/>
+        <p:cNvGrpSpPr/>
+        <p:nvPr/>
+      </p:nvGrpSpPr>
+      <p:grpSpPr>
+        <a:xfrm>
+          <a:off x="0" y="0"/>
+          <a:ext cx="0" cy="0"/>
+          <a:chOff x="0" y="0"/>
+          <a:chExt cx="0" cy="0"/>
+        </a:xfrm>
+      </p:grpSpPr>
+      <p:sp>
+        <p:nvSpPr>
+          <p:cNvPr id="2" name="Title 1"/>
+          <p:cNvSpPr>
+            <a:spLocks noGrp="1"/>
+          </p:cNvSpPr>
+          <p:nvPr>
+            <p:ph type="title"/>
+          </p:nvPr>
+        </p:nvSpPr>
+        <p:spPr/>
+        <p:txBody>
+          <a:bodyPr/>
+          <a:lstStyle/>
+          <a:p>
+            <a:r>
+              <a:rPr lang="en-US" dirty="0"/>
+              <a:t>ECB Mode</a:t>
+            </a:r>
+          </a:p>
+        </p:txBody>
+      </p:sp>
+      <p:sp>
+        <p:nvSpPr>
+          <p:cNvPr id="3" name="Content Placeholder 2"/>
+          <p:cNvSpPr>
+            <a:spLocks noGrp="1"/>
+          </p:cNvSpPr>
+          <p:nvPr>
+            <p:ph idx="1"/>
+          </p:nvPr>
+        </p:nvSpPr>
+        <p:spPr>
+          <a:xfrm>
+            <a:off x="685801" y="609600"/>
+            <a:ext cx="10131425" cy="3649133"/>
+          </a:xfrm>
+        </p:spPr>
+        <p:txBody>
+          <a:bodyPr/>
+          <a:lstStyle/>
+          <a:p>
+            <a:r>
+              <a:rPr lang="en-US" sz="2800" dirty="0"/>
+              <a:t>ECB – Electronic Codebook Mode. Take a block of plaintext, encrypt, repeat. Insecure.</a:t>
+            </a:r>
+          </a:p>
+          <a:p>
+            <a:pPr marL="0" indent="0">
+              <a:buNone/>
+            </a:pPr>
+            <a:endParaRPr lang="en-US" dirty="0"/>
+          </a:p>
+        </p:txBody>
+      </p:sp>
+    </p:spTree>
+    <p:extLst>
+      <p:ext uri="{BB962C8B-B14F-4D97-AF65-F5344CB8AC3E}">
+        <p14:creationId xmlns:p14="http://schemas.microsoft.com/office/powerpoint/2010/main" val="1159850522"/>
       </p:ext>
     </p:extLst>
   </p:cSld>
@@ -9787,6 +10424,394 @@
 </p:sld>
 </file>
 
+<file path=ppt/slides/slide20.xml><?xml version="1.0" encoding="utf-8"?>
+<p:sld xmlns:a="http://schemas.openxmlformats.org/drawingml/2006/main" xmlns:r="http://schemas.openxmlformats.org/officeDocument/2006/relationships" xmlns:p="http://schemas.openxmlformats.org/presentationml/2006/main">
+  <p:cSld>
+    <p:spTree>
+      <p:nvGrpSpPr>
+        <p:cNvPr id="1" name=""/>
+        <p:cNvGrpSpPr/>
+        <p:nvPr/>
+      </p:nvGrpSpPr>
+      <p:grpSpPr>
+        <a:xfrm>
+          <a:off x="0" y="0"/>
+          <a:ext cx="0" cy="0"/>
+          <a:chOff x="0" y="0"/>
+          <a:chExt cx="0" cy="0"/>
+        </a:xfrm>
+      </p:grpSpPr>
+      <p:sp>
+        <p:nvSpPr>
+          <p:cNvPr id="2" name="Title 1"/>
+          <p:cNvSpPr>
+            <a:spLocks noGrp="1"/>
+          </p:cNvSpPr>
+          <p:nvPr>
+            <p:ph type="title"/>
+          </p:nvPr>
+        </p:nvSpPr>
+        <p:spPr/>
+        <p:txBody>
+          <a:bodyPr/>
+          <a:lstStyle/>
+          <a:p>
+            <a:endParaRPr lang="en-US"/>
+          </a:p>
+        </p:txBody>
+      </p:sp>
+      <p:sp>
+        <p:nvSpPr>
+          <p:cNvPr id="3" name="Content Placeholder 2"/>
+          <p:cNvSpPr>
+            <a:spLocks noGrp="1"/>
+          </p:cNvSpPr>
+          <p:nvPr>
+            <p:ph idx="1"/>
+          </p:nvPr>
+        </p:nvSpPr>
+        <p:spPr/>
+        <p:txBody>
+          <a:bodyPr/>
+          <a:lstStyle/>
+          <a:p>
+            <a:endParaRPr lang="en-US"/>
+          </a:p>
+        </p:txBody>
+      </p:sp>
+      <p:pic>
+        <p:nvPicPr>
+          <p:cNvPr id="4" name="Picture 3"/>
+          <p:cNvPicPr>
+            <a:picLocks noChangeAspect="1"/>
+          </p:cNvPicPr>
+          <p:nvPr/>
+        </p:nvPicPr>
+        <p:blipFill>
+          <a:blip r:embed="rId3"/>
+          <a:stretch>
+            <a:fillRect/>
+          </a:stretch>
+        </p:blipFill>
+        <p:spPr>
+          <a:xfrm>
+            <a:off x="2889885" y="236126"/>
+            <a:ext cx="5431155" cy="6510030"/>
+          </a:xfrm>
+          <a:prstGeom prst="rect">
+            <a:avLst/>
+          </a:prstGeom>
+        </p:spPr>
+      </p:pic>
+    </p:spTree>
+    <p:extLst>
+      <p:ext uri="{BB962C8B-B14F-4D97-AF65-F5344CB8AC3E}">
+        <p14:creationId xmlns:p14="http://schemas.microsoft.com/office/powerpoint/2010/main" val="3833985840"/>
+      </p:ext>
+    </p:extLst>
+  </p:cSld>
+  <p:clrMapOvr>
+    <a:masterClrMapping/>
+  </p:clrMapOvr>
+</p:sld>
+</file>
+
+<file path=ppt/slides/slide21.xml><?xml version="1.0" encoding="utf-8"?>
+<p:sld xmlns:a="http://schemas.openxmlformats.org/drawingml/2006/main" xmlns:r="http://schemas.openxmlformats.org/officeDocument/2006/relationships" xmlns:p="http://schemas.openxmlformats.org/presentationml/2006/main">
+  <p:cSld>
+    <p:spTree>
+      <p:nvGrpSpPr>
+        <p:cNvPr id="1" name=""/>
+        <p:cNvGrpSpPr/>
+        <p:nvPr/>
+      </p:nvGrpSpPr>
+      <p:grpSpPr>
+        <a:xfrm>
+          <a:off x="0" y="0"/>
+          <a:ext cx="0" cy="0"/>
+          <a:chOff x="0" y="0"/>
+          <a:chExt cx="0" cy="0"/>
+        </a:xfrm>
+      </p:grpSpPr>
+      <p:sp>
+        <p:nvSpPr>
+          <p:cNvPr id="2" name="Title 1"/>
+          <p:cNvSpPr>
+            <a:spLocks noGrp="1"/>
+          </p:cNvSpPr>
+          <p:nvPr>
+            <p:ph type="title"/>
+          </p:nvPr>
+        </p:nvSpPr>
+        <p:spPr/>
+        <p:txBody>
+          <a:bodyPr/>
+          <a:lstStyle/>
+          <a:p>
+            <a:r>
+              <a:rPr lang="en-US" dirty="0"/>
+              <a:t>CBC Mode</a:t>
+            </a:r>
+          </a:p>
+        </p:txBody>
+      </p:sp>
+      <p:sp>
+        <p:nvSpPr>
+          <p:cNvPr id="3" name="Content Placeholder 2"/>
+          <p:cNvSpPr>
+            <a:spLocks noGrp="1"/>
+          </p:cNvSpPr>
+          <p:nvPr>
+            <p:ph idx="1"/>
+          </p:nvPr>
+        </p:nvSpPr>
+        <p:spPr>
+          <a:xfrm>
+            <a:off x="604521" y="609600"/>
+            <a:ext cx="10131425" cy="3649133"/>
+          </a:xfrm>
+        </p:spPr>
+        <p:txBody>
+          <a:bodyPr>
+            <a:normAutofit/>
+          </a:bodyPr>
+          <a:lstStyle/>
+          <a:p>
+            <a:r>
+              <a:rPr lang="en-US" sz="2400" dirty="0"/>
+              <a:t>Cipher Block Chaining – Use output of one encryption as input for the next.</a:t>
+            </a:r>
+          </a:p>
+          <a:p>
+            <a:pPr lvl="1"/>
+            <a:r>
+              <a:rPr lang="en-US" sz="2400" dirty="0"/>
+              <a:t>Ensures each block will have different output, even if each block has same plaintext.</a:t>
+            </a:r>
+          </a:p>
+          <a:p>
+            <a:pPr marL="457200" lvl="1" indent="0">
+              <a:buNone/>
+            </a:pPr>
+            <a:r>
+              <a:rPr lang="en-US" sz="2400" dirty="0">
+                <a:solidFill>
+                  <a:srgbClr val="00B050"/>
+                </a:solidFill>
+              </a:rPr>
+              <a:t>		ENCRYPTION</a:t>
+            </a:r>
+            <a:r>
+              <a:rPr lang="en-US" sz="2400" dirty="0"/>
+              <a:t>										</a:t>
+            </a:r>
+            <a:r>
+              <a:rPr lang="en-US" sz="2400" dirty="0">
+                <a:solidFill>
+                  <a:srgbClr val="FF0000"/>
+                </a:solidFill>
+              </a:rPr>
+              <a:t>DECRYPTION</a:t>
+            </a:r>
+          </a:p>
+        </p:txBody>
+      </p:sp>
+      <p:pic>
+        <p:nvPicPr>
+          <p:cNvPr id="6" name="Picture 5"/>
+          <p:cNvPicPr>
+            <a:picLocks noChangeAspect="1"/>
+          </p:cNvPicPr>
+          <p:nvPr/>
+        </p:nvPicPr>
+        <p:blipFill>
+          <a:blip r:embed="rId3"/>
+          <a:stretch>
+            <a:fillRect/>
+          </a:stretch>
+        </p:blipFill>
+        <p:spPr>
+          <a:xfrm>
+            <a:off x="378949" y="3455035"/>
+            <a:ext cx="5467495" cy="2982270"/>
+          </a:xfrm>
+          <a:prstGeom prst="rect">
+            <a:avLst/>
+          </a:prstGeom>
+        </p:spPr>
+      </p:pic>
+      <p:pic>
+        <p:nvPicPr>
+          <p:cNvPr id="7" name="Picture 6"/>
+          <p:cNvPicPr>
+            <a:picLocks noChangeAspect="1"/>
+          </p:cNvPicPr>
+          <p:nvPr/>
+        </p:nvPicPr>
+        <p:blipFill>
+          <a:blip r:embed="rId4"/>
+          <a:stretch>
+            <a:fillRect/>
+          </a:stretch>
+        </p:blipFill>
+        <p:spPr>
+          <a:xfrm>
+            <a:off x="6072016" y="3456728"/>
+            <a:ext cx="5299075" cy="2982270"/>
+          </a:xfrm>
+          <a:prstGeom prst="rect">
+            <a:avLst/>
+          </a:prstGeom>
+        </p:spPr>
+      </p:pic>
+    </p:spTree>
+    <p:extLst>
+      <p:ext uri="{BB962C8B-B14F-4D97-AF65-F5344CB8AC3E}">
+        <p14:creationId xmlns:p14="http://schemas.microsoft.com/office/powerpoint/2010/main" val="14438720"/>
+      </p:ext>
+    </p:extLst>
+  </p:cSld>
+  <p:clrMapOvr>
+    <a:masterClrMapping/>
+  </p:clrMapOvr>
+</p:sld>
+</file>
+
+<file path=ppt/slides/slide22.xml><?xml version="1.0" encoding="utf-8"?>
+<p:sld xmlns:a="http://schemas.openxmlformats.org/drawingml/2006/main" xmlns:r="http://schemas.openxmlformats.org/officeDocument/2006/relationships" xmlns:p="http://schemas.openxmlformats.org/presentationml/2006/main">
+  <p:cSld>
+    <p:spTree>
+      <p:nvGrpSpPr>
+        <p:cNvPr id="1" name=""/>
+        <p:cNvGrpSpPr/>
+        <p:nvPr/>
+      </p:nvGrpSpPr>
+      <p:grpSpPr>
+        <a:xfrm>
+          <a:off x="0" y="0"/>
+          <a:ext cx="0" cy="0"/>
+          <a:chOff x="0" y="0"/>
+          <a:chExt cx="0" cy="0"/>
+        </a:xfrm>
+      </p:grpSpPr>
+      <p:sp>
+        <p:nvSpPr>
+          <p:cNvPr id="2" name="Title 1"/>
+          <p:cNvSpPr>
+            <a:spLocks noGrp="1"/>
+          </p:cNvSpPr>
+          <p:nvPr>
+            <p:ph type="title"/>
+          </p:nvPr>
+        </p:nvSpPr>
+        <p:spPr/>
+        <p:txBody>
+          <a:bodyPr/>
+          <a:lstStyle/>
+          <a:p>
+            <a:r>
+              <a:rPr lang="en-US" dirty="0"/>
+              <a:t>Padding</a:t>
+            </a:r>
+          </a:p>
+        </p:txBody>
+      </p:sp>
+      <p:sp>
+        <p:nvSpPr>
+          <p:cNvPr id="3" name="Content Placeholder 2"/>
+          <p:cNvSpPr>
+            <a:spLocks noGrp="1"/>
+          </p:cNvSpPr>
+          <p:nvPr>
+            <p:ph idx="1"/>
+          </p:nvPr>
+        </p:nvSpPr>
+        <p:spPr/>
+        <p:txBody>
+          <a:bodyPr/>
+          <a:lstStyle/>
+          <a:p>
+            <a:r>
+              <a:rPr lang="en-US" dirty="0"/>
+              <a:t>Preferred Method: PKCS7 – the value of each padded byte is the same as the number of bytes being added</a:t>
+            </a:r>
+          </a:p>
+          <a:p>
+            <a:r>
+              <a:rPr lang="en-US" dirty="0"/>
+              <a:t>Example:</a:t>
+            </a:r>
+          </a:p>
+          <a:p>
+            <a:pPr lvl="1"/>
+            <a:r>
+              <a:rPr lang="en-US" dirty="0"/>
+              <a:t>Block Size = 16 Bytes</a:t>
+            </a:r>
+          </a:p>
+          <a:p>
+            <a:pPr lvl="1"/>
+            <a:r>
+              <a:rPr lang="en-US" dirty="0"/>
+              <a:t>The last block uses 10 bytes</a:t>
+            </a:r>
+          </a:p>
+          <a:p>
+            <a:pPr lvl="1"/>
+            <a:r>
+              <a:rPr lang="en-US" dirty="0"/>
+              <a:t>The padding will be</a:t>
+            </a:r>
+          </a:p>
+          <a:p>
+            <a:pPr lvl="2"/>
+            <a:r>
+              <a:rPr lang="en-US" dirty="0"/>
+              <a:t>0x06 0x6 0x06 </a:t>
+            </a:r>
+            <a:r>
+              <a:rPr lang="en-US" dirty="0" err="1"/>
+              <a:t>0x06</a:t>
+            </a:r>
+            <a:r>
+              <a:rPr lang="en-US" dirty="0"/>
+              <a:t> </a:t>
+            </a:r>
+            <a:r>
+              <a:rPr lang="en-US" dirty="0" err="1"/>
+              <a:t>0x06</a:t>
+            </a:r>
+            <a:r>
+              <a:rPr lang="en-US" dirty="0"/>
+              <a:t> </a:t>
+            </a:r>
+            <a:r>
+              <a:rPr lang="en-US" dirty="0" err="1"/>
+              <a:t>0x06</a:t>
+            </a:r>
+            <a:endParaRPr lang="en-US" dirty="0"/>
+          </a:p>
+          <a:p>
+            <a:r>
+              <a:rPr lang="en-US" dirty="0"/>
+              <a:t>If it is exactly 16 characters, you add an entire extra block of [16] * 16</a:t>
+            </a:r>
+          </a:p>
+        </p:txBody>
+      </p:sp>
+    </p:spTree>
+    <p:extLst>
+      <p:ext uri="{BB962C8B-B14F-4D97-AF65-F5344CB8AC3E}">
+        <p14:creationId xmlns:p14="http://schemas.microsoft.com/office/powerpoint/2010/main" val="2970615776"/>
+      </p:ext>
+    </p:extLst>
+  </p:cSld>
+  <p:clrMapOvr>
+    <a:masterClrMapping/>
+  </p:clrMapOvr>
+</p:sld>
+</file>
+
 <file path=ppt/slides/slide3.xml><?xml version="1.0" encoding="utf-8"?>
 <p:sld xmlns:a="http://schemas.openxmlformats.org/drawingml/2006/main" xmlns:r="http://schemas.openxmlformats.org/officeDocument/2006/relationships" xmlns:p="http://schemas.openxmlformats.org/presentationml/2006/main">
   <p:cSld>
